--- a/Z2018.pptx
+++ b/Z2018.pptx
@@ -5,7 +5,7 @@
     <p:sldMasterId id="2147483648" r:id="rId1"/>
   </p:sldMasterIdLst>
   <p:notesMasterIdLst>
-    <p:notesMasterId r:id="rId24"/>
+    <p:notesMasterId r:id="rId36"/>
   </p:notesMasterIdLst>
   <p:sldIdLst>
     <p:sldId id="256" r:id="rId2"/>
@@ -30,6 +30,18 @@
     <p:sldId id="803" r:id="rId21"/>
     <p:sldId id="804" r:id="rId22"/>
     <p:sldId id="805" r:id="rId23"/>
+    <p:sldId id="806" r:id="rId24"/>
+    <p:sldId id="807" r:id="rId25"/>
+    <p:sldId id="808" r:id="rId26"/>
+    <p:sldId id="809" r:id="rId27"/>
+    <p:sldId id="810" r:id="rId28"/>
+    <p:sldId id="811" r:id="rId29"/>
+    <p:sldId id="812" r:id="rId30"/>
+    <p:sldId id="813" r:id="rId31"/>
+    <p:sldId id="814" r:id="rId32"/>
+    <p:sldId id="815" r:id="rId33"/>
+    <p:sldId id="816" r:id="rId34"/>
+    <p:sldId id="817" r:id="rId35"/>
   </p:sldIdLst>
   <p:sldSz cx="12192000" cy="6858000"/>
   <p:notesSz cx="6858000" cy="9144000"/>
@@ -230,7 +242,7 @@
           <a:p>
             <a:fld id="{75BE9B3D-3BC0-4D6D-B49D-9D061B04B6D7}" type="datetimeFigureOut">
               <a:rPr lang="en-US" smtClean="0"/>
-              <a:t>10/2/2018</a:t>
+              <a:t>10/3/2018</a:t>
             </a:fld>
             <a:endParaRPr lang="en-US"/>
           </a:p>
@@ -688,7 +700,7 @@
           <a:p>
             <a:fld id="{9065B910-73A7-40EE-B6E5-8CB48001ADC2}" type="datetimeFigureOut">
               <a:rPr lang="en-US" smtClean="0"/>
-              <a:t>10/2/2018</a:t>
+              <a:t>10/3/2018</a:t>
             </a:fld>
             <a:endParaRPr lang="en-US"/>
           </a:p>
@@ -886,7 +898,7 @@
           <a:p>
             <a:fld id="{9065B910-73A7-40EE-B6E5-8CB48001ADC2}" type="datetimeFigureOut">
               <a:rPr lang="en-US" smtClean="0"/>
-              <a:t>10/2/2018</a:t>
+              <a:t>10/3/2018</a:t>
             </a:fld>
             <a:endParaRPr lang="en-US"/>
           </a:p>
@@ -1094,7 +1106,7 @@
           <a:p>
             <a:fld id="{9065B910-73A7-40EE-B6E5-8CB48001ADC2}" type="datetimeFigureOut">
               <a:rPr lang="en-US" smtClean="0"/>
-              <a:t>10/2/2018</a:t>
+              <a:t>10/3/2018</a:t>
             </a:fld>
             <a:endParaRPr lang="en-US"/>
           </a:p>
@@ -1476,7 +1488,7 @@
           <a:p>
             <a:fld id="{9065B910-73A7-40EE-B6E5-8CB48001ADC2}" type="datetimeFigureOut">
               <a:rPr lang="en-US" smtClean="0"/>
-              <a:t>10/2/2018</a:t>
+              <a:t>10/3/2018</a:t>
             </a:fld>
             <a:endParaRPr lang="en-US"/>
           </a:p>
@@ -1751,7 +1763,7 @@
           <a:p>
             <a:fld id="{9065B910-73A7-40EE-B6E5-8CB48001ADC2}" type="datetimeFigureOut">
               <a:rPr lang="en-US" smtClean="0"/>
-              <a:t>10/2/2018</a:t>
+              <a:t>10/3/2018</a:t>
             </a:fld>
             <a:endParaRPr lang="en-US"/>
           </a:p>
@@ -2016,7 +2028,7 @@
           <a:p>
             <a:fld id="{9065B910-73A7-40EE-B6E5-8CB48001ADC2}" type="datetimeFigureOut">
               <a:rPr lang="en-US" smtClean="0"/>
-              <a:t>10/2/2018</a:t>
+              <a:t>10/3/2018</a:t>
             </a:fld>
             <a:endParaRPr lang="en-US"/>
           </a:p>
@@ -2428,7 +2440,7 @@
           <a:p>
             <a:fld id="{9065B910-73A7-40EE-B6E5-8CB48001ADC2}" type="datetimeFigureOut">
               <a:rPr lang="en-US" smtClean="0"/>
-              <a:t>10/2/2018</a:t>
+              <a:t>10/3/2018</a:t>
             </a:fld>
             <a:endParaRPr lang="en-US"/>
           </a:p>
@@ -2569,7 +2581,7 @@
           <a:p>
             <a:fld id="{9065B910-73A7-40EE-B6E5-8CB48001ADC2}" type="datetimeFigureOut">
               <a:rPr lang="en-US" smtClean="0"/>
-              <a:t>10/2/2018</a:t>
+              <a:t>10/3/2018</a:t>
             </a:fld>
             <a:endParaRPr lang="en-US"/>
           </a:p>
@@ -2682,7 +2694,7 @@
           <a:p>
             <a:fld id="{9065B910-73A7-40EE-B6E5-8CB48001ADC2}" type="datetimeFigureOut">
               <a:rPr lang="en-US" smtClean="0"/>
-              <a:t>10/2/2018</a:t>
+              <a:t>10/3/2018</a:t>
             </a:fld>
             <a:endParaRPr lang="en-US"/>
           </a:p>
@@ -2993,7 +3005,7 @@
           <a:p>
             <a:fld id="{9065B910-73A7-40EE-B6E5-8CB48001ADC2}" type="datetimeFigureOut">
               <a:rPr lang="en-US" smtClean="0"/>
-              <a:t>10/2/2018</a:t>
+              <a:t>10/3/2018</a:t>
             </a:fld>
             <a:endParaRPr lang="en-US"/>
           </a:p>
@@ -3281,7 +3293,7 @@
           <a:p>
             <a:fld id="{9065B910-73A7-40EE-B6E5-8CB48001ADC2}" type="datetimeFigureOut">
               <a:rPr lang="en-US" smtClean="0"/>
-              <a:t>10/2/2018</a:t>
+              <a:t>10/3/2018</a:t>
             </a:fld>
             <a:endParaRPr lang="en-US"/>
           </a:p>
@@ -3522,7 +3534,7 @@
           <a:p>
             <a:fld id="{9065B910-73A7-40EE-B6E5-8CB48001ADC2}" type="datetimeFigureOut">
               <a:rPr lang="en-US" smtClean="0"/>
-              <a:t>10/2/2018</a:t>
+              <a:t>10/3/2018</a:t>
             </a:fld>
             <a:endParaRPr lang="en-US"/>
           </a:p>
@@ -6527,6 +6539,1053 @@
 </p:sld>
 </file>
 
+<file path=ppt/slides/slide23.xml><?xml version="1.0" encoding="utf-8"?>
+<p:sld xmlns:a="http://schemas.openxmlformats.org/drawingml/2006/main" xmlns:r="http://schemas.openxmlformats.org/officeDocument/2006/relationships" xmlns:p="http://schemas.openxmlformats.org/presentationml/2006/main">
+  <p:cSld>
+    <p:spTree>
+      <p:nvGrpSpPr>
+        <p:cNvPr id="1" name=""/>
+        <p:cNvGrpSpPr/>
+        <p:nvPr/>
+      </p:nvGrpSpPr>
+      <p:grpSpPr>
+        <a:xfrm>
+          <a:off x="0" y="0"/>
+          <a:ext cx="0" cy="0"/>
+          <a:chOff x="0" y="0"/>
+          <a:chExt cx="0" cy="0"/>
+        </a:xfrm>
+      </p:grpSpPr>
+      <p:sp>
+        <p:nvSpPr>
+          <p:cNvPr id="2" name="Content Placeholder 1">
+            <a:extLst>
+              <a:ext uri="{FF2B5EF4-FFF2-40B4-BE49-F238E27FC236}">
+                <a16:creationId xmlns:a16="http://schemas.microsoft.com/office/drawing/2014/main" id="{A5968C13-97FA-4B51-840E-123669551A89}"/>
+              </a:ext>
+            </a:extLst>
+          </p:cNvPr>
+          <p:cNvSpPr>
+            <a:spLocks noGrp="1"/>
+          </p:cNvSpPr>
+          <p:nvPr>
+            <p:ph sz="quarter" idx="11"/>
+          </p:nvPr>
+        </p:nvSpPr>
+        <p:spPr/>
+        <p:txBody>
+          <a:bodyPr/>
+          <a:lstStyle/>
+          <a:p>
+            <a:r>
+              <a:rPr lang="en-US" dirty="0"/>
+              <a:t>Add payload to </a:t>
+            </a:r>
+            <a:r>
+              <a:rPr lang="en-US" dirty="0" err="1"/>
+              <a:t>appstudio</a:t>
+            </a:r>
+            <a:endParaRPr lang="en-US" dirty="0"/>
+          </a:p>
+          <a:p>
+            <a:pPr lvl="1"/>
+            <a:r>
+              <a:rPr lang="en-US" dirty="0"/>
+              <a:t>Dim payload={}</a:t>
+            </a:r>
+          </a:p>
+          <a:p>
+            <a:pPr lvl="1"/>
+            <a:r>
+              <a:rPr lang="en-US" dirty="0"/>
+              <a:t>   payload.name=</a:t>
+            </a:r>
+            <a:r>
+              <a:rPr lang="en-US" dirty="0" err="1"/>
+              <a:t>Input.value</a:t>
+            </a:r>
+            <a:endParaRPr lang="en-US" dirty="0"/>
+          </a:p>
+          <a:p>
+            <a:pPr lvl="1"/>
+            <a:r>
+              <a:rPr lang="en-US" dirty="0"/>
+              <a:t>   Ajax("http://localhost:20002/</a:t>
+            </a:r>
+            <a:r>
+              <a:rPr lang="en-US" dirty="0" err="1"/>
+              <a:t>api</a:t>
+            </a:r>
+            <a:r>
+              <a:rPr lang="en-US" dirty="0"/>
+              <a:t>/</a:t>
+            </a:r>
+            <a:r>
+              <a:rPr lang="en-US" dirty="0" err="1"/>
+              <a:t>helloworld</a:t>
+            </a:r>
+            <a:r>
+              <a:rPr lang="en-US" dirty="0"/>
+              <a:t>","POST", </a:t>
+            </a:r>
+            <a:r>
+              <a:rPr lang="en-US" dirty="0" err="1"/>
+              <a:t>JSON.stringify</a:t>
+            </a:r>
+            <a:r>
+              <a:rPr lang="en-US" dirty="0"/>
+              <a:t>(payload) ,</a:t>
+            </a:r>
+            <a:r>
+              <a:rPr lang="en-US" dirty="0" err="1"/>
+              <a:t>ajaxresponse</a:t>
+            </a:r>
+            <a:r>
+              <a:rPr lang="en-US" dirty="0"/>
+              <a:t>)</a:t>
+            </a:r>
+          </a:p>
+          <a:p>
+            <a:r>
+              <a:rPr lang="en-US" dirty="0"/>
+              <a:t>Run and show CORS issue – Did not generate </a:t>
+            </a:r>
+            <a:r>
+              <a:rPr lang="en-US" dirty="0" err="1"/>
+              <a:t>Cors</a:t>
+            </a:r>
+            <a:r>
+              <a:rPr lang="en-US" dirty="0"/>
+              <a:t> error??</a:t>
+            </a:r>
+          </a:p>
+          <a:p>
+            <a:endParaRPr lang="en-US" dirty="0"/>
+          </a:p>
+        </p:txBody>
+      </p:sp>
+      <p:sp>
+        <p:nvSpPr>
+          <p:cNvPr id="3" name="Title 2">
+            <a:extLst>
+              <a:ext uri="{FF2B5EF4-FFF2-40B4-BE49-F238E27FC236}">
+                <a16:creationId xmlns:a16="http://schemas.microsoft.com/office/drawing/2014/main" id="{EAD8EECF-20DD-415D-9D37-91CAAA704590}"/>
+              </a:ext>
+            </a:extLst>
+          </p:cNvPr>
+          <p:cNvSpPr>
+            <a:spLocks noGrp="1"/>
+          </p:cNvSpPr>
+          <p:nvPr>
+            <p:ph type="title"/>
+          </p:nvPr>
+        </p:nvSpPr>
+        <p:spPr/>
+        <p:txBody>
+          <a:bodyPr/>
+          <a:lstStyle/>
+          <a:p>
+            <a:r>
+              <a:rPr lang="en-US" dirty="0"/>
+              <a:t>2020 – </a:t>
+            </a:r>
+            <a:r>
+              <a:rPr lang="en-US" dirty="0" err="1"/>
+              <a:t>Helloworld</a:t>
+            </a:r>
+            <a:r>
+              <a:rPr lang="en-US" dirty="0"/>
+              <a:t> – json payload</a:t>
+            </a:r>
+          </a:p>
+        </p:txBody>
+      </p:sp>
+    </p:spTree>
+    <p:extLst>
+      <p:ext uri="{BB962C8B-B14F-4D97-AF65-F5344CB8AC3E}">
+        <p14:creationId xmlns:p14="http://schemas.microsoft.com/office/powerpoint/2010/main" val="3446956199"/>
+      </p:ext>
+    </p:extLst>
+  </p:cSld>
+  <p:clrMapOvr>
+    <a:masterClrMapping/>
+  </p:clrMapOvr>
+  <p:transition/>
+</p:sld>
+</file>
+
+<file path=ppt/slides/slide24.xml><?xml version="1.0" encoding="utf-8"?>
+<p:sld xmlns:a="http://schemas.openxmlformats.org/drawingml/2006/main" xmlns:r="http://schemas.openxmlformats.org/officeDocument/2006/relationships" xmlns:p="http://schemas.openxmlformats.org/presentationml/2006/main">
+  <p:cSld>
+    <p:spTree>
+      <p:nvGrpSpPr>
+        <p:cNvPr id="1" name=""/>
+        <p:cNvGrpSpPr/>
+        <p:nvPr/>
+      </p:nvGrpSpPr>
+      <p:grpSpPr>
+        <a:xfrm>
+          <a:off x="0" y="0"/>
+          <a:ext cx="0" cy="0"/>
+          <a:chOff x="0" y="0"/>
+          <a:chExt cx="0" cy="0"/>
+        </a:xfrm>
+      </p:grpSpPr>
+      <p:sp>
+        <p:nvSpPr>
+          <p:cNvPr id="2" name="Content Placeholder 1">
+            <a:extLst>
+              <a:ext uri="{FF2B5EF4-FFF2-40B4-BE49-F238E27FC236}">
+                <a16:creationId xmlns:a16="http://schemas.microsoft.com/office/drawing/2014/main" id="{8CA23042-B0D8-4173-9D28-282959F8430A}"/>
+              </a:ext>
+            </a:extLst>
+          </p:cNvPr>
+          <p:cNvSpPr>
+            <a:spLocks noGrp="1"/>
+          </p:cNvSpPr>
+          <p:nvPr>
+            <p:ph sz="quarter" idx="11"/>
+          </p:nvPr>
+        </p:nvSpPr>
+        <p:spPr/>
+        <p:txBody>
+          <a:bodyPr/>
+          <a:lstStyle/>
+          <a:p>
+            <a:r>
+              <a:rPr lang="en-US" dirty="0"/>
+              <a:t>Adjust call to set content type to json</a:t>
+            </a:r>
+          </a:p>
+          <a:p>
+            <a:r>
+              <a:rPr lang="en-US" dirty="0"/>
+              <a:t>Show </a:t>
+            </a:r>
+            <a:r>
+              <a:rPr lang="en-US" dirty="0" err="1"/>
+              <a:t>cors</a:t>
+            </a:r>
+            <a:r>
+              <a:rPr lang="en-US" dirty="0"/>
+              <a:t> issue</a:t>
+            </a:r>
+          </a:p>
+          <a:p>
+            <a:r>
+              <a:rPr lang="en-US" dirty="0"/>
+              <a:t>Fix </a:t>
+            </a:r>
+            <a:r>
+              <a:rPr lang="en-US" dirty="0" err="1"/>
+              <a:t>helloworld</a:t>
+            </a:r>
+            <a:r>
+              <a:rPr lang="en-US" dirty="0"/>
+              <a:t> to handle </a:t>
+            </a:r>
+            <a:r>
+              <a:rPr lang="en-US" dirty="0" err="1"/>
+              <a:t>cors</a:t>
+            </a:r>
+            <a:endParaRPr lang="en-US" dirty="0"/>
+          </a:p>
+          <a:p>
+            <a:r>
+              <a:rPr lang="en-US" dirty="0"/>
+              <a:t>Show how response json is different</a:t>
+            </a:r>
+          </a:p>
+          <a:p>
+            <a:r>
+              <a:rPr lang="en-US" dirty="0"/>
+              <a:t>Adjust </a:t>
+            </a:r>
+            <a:r>
+              <a:rPr lang="en-US" dirty="0" err="1"/>
+              <a:t>helloworld</a:t>
+            </a:r>
+            <a:r>
+              <a:rPr lang="en-US" dirty="0"/>
+              <a:t> program</a:t>
+            </a:r>
+          </a:p>
+          <a:p>
+            <a:endParaRPr lang="en-US" dirty="0"/>
+          </a:p>
+        </p:txBody>
+      </p:sp>
+      <p:sp>
+        <p:nvSpPr>
+          <p:cNvPr id="3" name="Title 2">
+            <a:extLst>
+              <a:ext uri="{FF2B5EF4-FFF2-40B4-BE49-F238E27FC236}">
+                <a16:creationId xmlns:a16="http://schemas.microsoft.com/office/drawing/2014/main" id="{42CCCA5D-97E6-40D7-91AA-994C1C9AABDE}"/>
+              </a:ext>
+            </a:extLst>
+          </p:cNvPr>
+          <p:cNvSpPr>
+            <a:spLocks noGrp="1"/>
+          </p:cNvSpPr>
+          <p:nvPr>
+            <p:ph type="title"/>
+          </p:nvPr>
+        </p:nvSpPr>
+        <p:spPr/>
+        <p:txBody>
+          <a:bodyPr/>
+          <a:lstStyle/>
+          <a:p>
+            <a:r>
+              <a:rPr lang="en-US" dirty="0"/>
+              <a:t>2030 – </a:t>
+            </a:r>
+            <a:r>
+              <a:rPr lang="en-US" dirty="0" err="1"/>
+              <a:t>Helloworld</a:t>
+            </a:r>
+            <a:r>
+              <a:rPr lang="en-US" dirty="0"/>
+              <a:t> – json – application/json</a:t>
+            </a:r>
+          </a:p>
+        </p:txBody>
+      </p:sp>
+    </p:spTree>
+    <p:extLst>
+      <p:ext uri="{BB962C8B-B14F-4D97-AF65-F5344CB8AC3E}">
+        <p14:creationId xmlns:p14="http://schemas.microsoft.com/office/powerpoint/2010/main" val="2850356371"/>
+      </p:ext>
+    </p:extLst>
+  </p:cSld>
+  <p:clrMapOvr>
+    <a:masterClrMapping/>
+  </p:clrMapOvr>
+  <p:transition/>
+</p:sld>
+</file>
+
+<file path=ppt/slides/slide25.xml><?xml version="1.0" encoding="utf-8"?>
+<p:sld xmlns:a="http://schemas.openxmlformats.org/drawingml/2006/main" xmlns:r="http://schemas.openxmlformats.org/officeDocument/2006/relationships" xmlns:p="http://schemas.openxmlformats.org/presentationml/2006/main">
+  <p:cSld>
+    <p:spTree>
+      <p:nvGrpSpPr>
+        <p:cNvPr id="1" name=""/>
+        <p:cNvGrpSpPr/>
+        <p:nvPr/>
+      </p:nvGrpSpPr>
+      <p:grpSpPr>
+        <a:xfrm>
+          <a:off x="0" y="0"/>
+          <a:ext cx="0" cy="0"/>
+          <a:chOff x="0" y="0"/>
+          <a:chExt cx="0" cy="0"/>
+        </a:xfrm>
+      </p:grpSpPr>
+      <p:sp>
+        <p:nvSpPr>
+          <p:cNvPr id="2" name="Content Placeholder 1">
+            <a:extLst>
+              <a:ext uri="{FF2B5EF4-FFF2-40B4-BE49-F238E27FC236}">
+                <a16:creationId xmlns:a16="http://schemas.microsoft.com/office/drawing/2014/main" id="{5403BF53-B24A-48BA-8AC4-ADC5C979E63F}"/>
+              </a:ext>
+            </a:extLst>
+          </p:cNvPr>
+          <p:cNvSpPr>
+            <a:spLocks noGrp="1"/>
+          </p:cNvSpPr>
+          <p:nvPr>
+            <p:ph sz="quarter" idx="11"/>
+          </p:nvPr>
+        </p:nvSpPr>
+        <p:spPr/>
+        <p:txBody>
+          <a:bodyPr>
+            <a:normAutofit fontScale="92500" lnSpcReduction="20000"/>
+          </a:bodyPr>
+          <a:lstStyle/>
+          <a:p>
+            <a:r>
+              <a:rPr lang="en-US" dirty="0"/>
+              <a:t>Add Panel</a:t>
+            </a:r>
+          </a:p>
+          <a:p>
+            <a:r>
+              <a:rPr lang="en-US" dirty="0"/>
+              <a:t>Drag controls into panel</a:t>
+            </a:r>
+          </a:p>
+          <a:p>
+            <a:r>
+              <a:rPr lang="en-US" dirty="0"/>
+              <a:t>Change title of panel – HelloWorld</a:t>
+            </a:r>
+          </a:p>
+          <a:p>
+            <a:r>
+              <a:rPr lang="en-US" dirty="0"/>
+              <a:t>Change Footer – </a:t>
+            </a:r>
+            <a:r>
+              <a:rPr lang="en-US" dirty="0" err="1"/>
+              <a:t>Zumapalooza</a:t>
+            </a:r>
+            <a:r>
+              <a:rPr lang="en-US" dirty="0"/>
+              <a:t> 2018</a:t>
+            </a:r>
+          </a:p>
+          <a:p>
+            <a:r>
+              <a:rPr lang="en-US" dirty="0"/>
+              <a:t>Width 300</a:t>
+            </a:r>
+          </a:p>
+          <a:p>
+            <a:r>
+              <a:rPr lang="en-US" dirty="0"/>
+              <a:t>Margin left/right - auto</a:t>
+            </a:r>
+          </a:p>
+          <a:p>
+            <a:r>
+              <a:rPr lang="en-US" dirty="0"/>
+              <a:t>Change Button – Send</a:t>
+            </a:r>
+          </a:p>
+          <a:p>
+            <a:r>
+              <a:rPr lang="en-US" dirty="0"/>
+              <a:t>Change Button big</a:t>
+            </a:r>
+          </a:p>
+          <a:p>
+            <a:r>
+              <a:rPr lang="en-US" dirty="0"/>
+              <a:t>Run</a:t>
+            </a:r>
+          </a:p>
+        </p:txBody>
+      </p:sp>
+      <p:sp>
+        <p:nvSpPr>
+          <p:cNvPr id="3" name="Title 2">
+            <a:extLst>
+              <a:ext uri="{FF2B5EF4-FFF2-40B4-BE49-F238E27FC236}">
+                <a16:creationId xmlns:a16="http://schemas.microsoft.com/office/drawing/2014/main" id="{8B83BA4A-9D69-48B5-9BD2-49FE7EEBECCA}"/>
+              </a:ext>
+            </a:extLst>
+          </p:cNvPr>
+          <p:cNvSpPr>
+            <a:spLocks noGrp="1"/>
+          </p:cNvSpPr>
+          <p:nvPr>
+            <p:ph type="title"/>
+          </p:nvPr>
+        </p:nvSpPr>
+        <p:spPr/>
+        <p:txBody>
+          <a:bodyPr/>
+          <a:lstStyle/>
+          <a:p>
+            <a:r>
+              <a:rPr lang="en-US" dirty="0"/>
+              <a:t>2040 – </a:t>
+            </a:r>
+            <a:r>
+              <a:rPr lang="en-US" dirty="0" err="1"/>
+              <a:t>Helloworld</a:t>
+            </a:r>
+            <a:r>
+              <a:rPr lang="en-US" dirty="0"/>
+              <a:t> – Add Panel – 5 minutes</a:t>
+            </a:r>
+          </a:p>
+        </p:txBody>
+      </p:sp>
+    </p:spTree>
+    <p:extLst>
+      <p:ext uri="{BB962C8B-B14F-4D97-AF65-F5344CB8AC3E}">
+        <p14:creationId xmlns:p14="http://schemas.microsoft.com/office/powerpoint/2010/main" val="2354820129"/>
+      </p:ext>
+    </p:extLst>
+  </p:cSld>
+  <p:clrMapOvr>
+    <a:masterClrMapping/>
+  </p:clrMapOvr>
+  <p:transition/>
+</p:sld>
+</file>
+
+<file path=ppt/slides/slide26.xml><?xml version="1.0" encoding="utf-8"?>
+<p:sld xmlns:a="http://schemas.openxmlformats.org/drawingml/2006/main" xmlns:r="http://schemas.openxmlformats.org/officeDocument/2006/relationships" xmlns:p="http://schemas.openxmlformats.org/presentationml/2006/main">
+  <p:cSld>
+    <p:spTree>
+      <p:nvGrpSpPr>
+        <p:cNvPr id="1" name=""/>
+        <p:cNvGrpSpPr/>
+        <p:nvPr/>
+      </p:nvGrpSpPr>
+      <p:grpSpPr>
+        <a:xfrm>
+          <a:off x="0" y="0"/>
+          <a:ext cx="0" cy="0"/>
+          <a:chOff x="0" y="0"/>
+          <a:chExt cx="0" cy="0"/>
+        </a:xfrm>
+      </p:grpSpPr>
+      <p:sp>
+        <p:nvSpPr>
+          <p:cNvPr id="2" name="Content Placeholder 1">
+            <a:extLst>
+              <a:ext uri="{FF2B5EF4-FFF2-40B4-BE49-F238E27FC236}">
+                <a16:creationId xmlns:a16="http://schemas.microsoft.com/office/drawing/2014/main" id="{1E300DE4-4116-47AC-98D6-04D707A83803}"/>
+              </a:ext>
+            </a:extLst>
+          </p:cNvPr>
+          <p:cNvSpPr>
+            <a:spLocks noGrp="1"/>
+          </p:cNvSpPr>
+          <p:nvPr>
+            <p:ph sz="quarter" idx="11"/>
+          </p:nvPr>
+        </p:nvSpPr>
+        <p:spPr/>
+        <p:txBody>
+          <a:bodyPr>
+            <a:normAutofit lnSpcReduction="10000"/>
+          </a:bodyPr>
+          <a:lstStyle/>
+          <a:p>
+            <a:r>
+              <a:rPr lang="en-US" dirty="0"/>
+              <a:t>Drop header</a:t>
+            </a:r>
+          </a:p>
+          <a:p>
+            <a:r>
+              <a:rPr lang="en-US" dirty="0"/>
+              <a:t>Move up</a:t>
+            </a:r>
+          </a:p>
+          <a:p>
+            <a:r>
+              <a:rPr lang="en-US" dirty="0"/>
+              <a:t>Background color-black</a:t>
+            </a:r>
+          </a:p>
+          <a:p>
+            <a:r>
+              <a:rPr lang="en-US" dirty="0"/>
+              <a:t>Font color –white</a:t>
+            </a:r>
+          </a:p>
+          <a:p>
+            <a:r>
+              <a:rPr lang="en-US" dirty="0"/>
+              <a:t>Add </a:t>
+            </a:r>
+            <a:r>
+              <a:rPr lang="en-US" dirty="0" err="1"/>
+              <a:t>Zumapooza</a:t>
+            </a:r>
+            <a:r>
+              <a:rPr lang="en-US" dirty="0"/>
+              <a:t> 2018</a:t>
+            </a:r>
+          </a:p>
+          <a:p>
+            <a:r>
+              <a:rPr lang="en-US" dirty="0"/>
+              <a:t>Width auto</a:t>
+            </a:r>
+          </a:p>
+          <a:p>
+            <a:r>
+              <a:rPr lang="en-US" dirty="0"/>
+              <a:t>Panel margin 5px</a:t>
+            </a:r>
+          </a:p>
+          <a:p>
+            <a:r>
+              <a:rPr lang="en-US" dirty="0"/>
+              <a:t>Show in chrome device toolbar – </a:t>
+            </a:r>
+            <a:r>
+              <a:rPr lang="en-US" dirty="0" err="1"/>
+              <a:t>Iphone</a:t>
+            </a:r>
+            <a:r>
+              <a:rPr lang="en-US" dirty="0"/>
+              <a:t> 6</a:t>
+            </a:r>
+          </a:p>
+        </p:txBody>
+      </p:sp>
+      <p:sp>
+        <p:nvSpPr>
+          <p:cNvPr id="3" name="Title 2">
+            <a:extLst>
+              <a:ext uri="{FF2B5EF4-FFF2-40B4-BE49-F238E27FC236}">
+                <a16:creationId xmlns:a16="http://schemas.microsoft.com/office/drawing/2014/main" id="{3E164FBE-98FF-4592-BDEF-7E7C207FA406}"/>
+              </a:ext>
+            </a:extLst>
+          </p:cNvPr>
+          <p:cNvSpPr>
+            <a:spLocks noGrp="1"/>
+          </p:cNvSpPr>
+          <p:nvPr>
+            <p:ph type="title"/>
+          </p:nvPr>
+        </p:nvSpPr>
+        <p:spPr/>
+        <p:txBody>
+          <a:bodyPr/>
+          <a:lstStyle/>
+          <a:p>
+            <a:r>
+              <a:rPr lang="en-US" dirty="0"/>
+              <a:t>2050 – Add header</a:t>
+            </a:r>
+          </a:p>
+        </p:txBody>
+      </p:sp>
+    </p:spTree>
+    <p:extLst>
+      <p:ext uri="{BB962C8B-B14F-4D97-AF65-F5344CB8AC3E}">
+        <p14:creationId xmlns:p14="http://schemas.microsoft.com/office/powerpoint/2010/main" val="3269031471"/>
+      </p:ext>
+    </p:extLst>
+  </p:cSld>
+  <p:clrMapOvr>
+    <a:masterClrMapping/>
+  </p:clrMapOvr>
+  <p:transition/>
+</p:sld>
+</file>
+
+<file path=ppt/slides/slide27.xml><?xml version="1.0" encoding="utf-8"?>
+<p:sld xmlns:a="http://schemas.openxmlformats.org/drawingml/2006/main" xmlns:r="http://schemas.openxmlformats.org/officeDocument/2006/relationships" xmlns:p="http://schemas.openxmlformats.org/presentationml/2006/main">
+  <p:cSld>
+    <p:spTree>
+      <p:nvGrpSpPr>
+        <p:cNvPr id="1" name=""/>
+        <p:cNvGrpSpPr/>
+        <p:nvPr/>
+      </p:nvGrpSpPr>
+      <p:grpSpPr>
+        <a:xfrm>
+          <a:off x="0" y="0"/>
+          <a:ext cx="0" cy="0"/>
+          <a:chOff x="0" y="0"/>
+          <a:chExt cx="0" cy="0"/>
+        </a:xfrm>
+      </p:grpSpPr>
+      <p:sp>
+        <p:nvSpPr>
+          <p:cNvPr id="2" name="Content Placeholder 1">
+            <a:extLst>
+              <a:ext uri="{FF2B5EF4-FFF2-40B4-BE49-F238E27FC236}">
+                <a16:creationId xmlns:a16="http://schemas.microsoft.com/office/drawing/2014/main" id="{00B2EBA5-BB95-4322-B650-ED9F97331192}"/>
+              </a:ext>
+            </a:extLst>
+          </p:cNvPr>
+          <p:cNvSpPr>
+            <a:spLocks noGrp="1"/>
+          </p:cNvSpPr>
+          <p:nvPr>
+            <p:ph sz="quarter" idx="11"/>
+          </p:nvPr>
+        </p:nvSpPr>
+        <p:spPr/>
+        <p:txBody>
+          <a:bodyPr>
+            <a:normAutofit fontScale="92500" lnSpcReduction="20000"/>
+          </a:bodyPr>
+          <a:lstStyle/>
+          <a:p>
+            <a:r>
+              <a:rPr lang="en-US" dirty="0"/>
+              <a:t>Add form2</a:t>
+            </a:r>
+          </a:p>
+          <a:p>
+            <a:r>
+              <a:rPr lang="en-US" dirty="0"/>
+              <a:t>Adjust colors</a:t>
+            </a:r>
+          </a:p>
+          <a:p>
+            <a:r>
+              <a:rPr lang="en-US" dirty="0"/>
+              <a:t>Content </a:t>
+            </a:r>
+            <a:r>
+              <a:rPr lang="en-US" dirty="0" err="1"/>
+              <a:t>Zumapalooza</a:t>
+            </a:r>
+            <a:r>
+              <a:rPr lang="en-US" dirty="0"/>
+              <a:t> about</a:t>
+            </a:r>
+          </a:p>
+          <a:p>
+            <a:r>
+              <a:rPr lang="en-US" dirty="0"/>
+              <a:t>Add back button</a:t>
+            </a:r>
+          </a:p>
+          <a:p>
+            <a:r>
+              <a:rPr lang="en-US" dirty="0"/>
+              <a:t>Margin 2px, info, back, align: left</a:t>
+            </a:r>
+          </a:p>
+          <a:p>
+            <a:r>
+              <a:rPr lang="en-US" dirty="0"/>
+              <a:t>Add code </a:t>
+            </a:r>
+            <a:r>
+              <a:rPr lang="en-US" dirty="0" err="1"/>
+              <a:t>changeform</a:t>
+            </a:r>
+            <a:r>
+              <a:rPr lang="en-US" dirty="0"/>
+              <a:t>(form1)</a:t>
+            </a:r>
+          </a:p>
+          <a:p>
+            <a:r>
+              <a:rPr lang="en-US" dirty="0"/>
+              <a:t>Add button to main form</a:t>
+            </a:r>
+          </a:p>
+          <a:p>
+            <a:r>
+              <a:rPr lang="en-US" dirty="0"/>
+              <a:t>Change form(form2)</a:t>
+            </a:r>
+          </a:p>
+          <a:p>
+            <a:r>
+              <a:rPr lang="en-US" dirty="0"/>
+              <a:t>Add Panel, remove footer, info</a:t>
+            </a:r>
+          </a:p>
+          <a:p>
+            <a:endParaRPr lang="en-US" dirty="0"/>
+          </a:p>
+        </p:txBody>
+      </p:sp>
+      <p:sp>
+        <p:nvSpPr>
+          <p:cNvPr id="3" name="Title 2">
+            <a:extLst>
+              <a:ext uri="{FF2B5EF4-FFF2-40B4-BE49-F238E27FC236}">
+                <a16:creationId xmlns:a16="http://schemas.microsoft.com/office/drawing/2014/main" id="{DBC37FA9-D26A-4028-BC85-6CFE99833050}"/>
+              </a:ext>
+            </a:extLst>
+          </p:cNvPr>
+          <p:cNvSpPr>
+            <a:spLocks noGrp="1"/>
+          </p:cNvSpPr>
+          <p:nvPr>
+            <p:ph type="title"/>
+          </p:nvPr>
+        </p:nvSpPr>
+        <p:spPr/>
+        <p:txBody>
+          <a:bodyPr/>
+          <a:lstStyle/>
+          <a:p>
+            <a:r>
+              <a:rPr lang="en-US" dirty="0"/>
+              <a:t>2060 – Add second form</a:t>
+            </a:r>
+          </a:p>
+        </p:txBody>
+      </p:sp>
+    </p:spTree>
+    <p:extLst>
+      <p:ext uri="{BB962C8B-B14F-4D97-AF65-F5344CB8AC3E}">
+        <p14:creationId xmlns:p14="http://schemas.microsoft.com/office/powerpoint/2010/main" val="2033196272"/>
+      </p:ext>
+    </p:extLst>
+  </p:cSld>
+  <p:clrMapOvr>
+    <a:masterClrMapping/>
+  </p:clrMapOvr>
+  <p:transition/>
+</p:sld>
+</file>
+
+<file path=ppt/slides/slide28.xml><?xml version="1.0" encoding="utf-8"?>
+<p:sld xmlns:a="http://schemas.openxmlformats.org/drawingml/2006/main" xmlns:r="http://schemas.openxmlformats.org/officeDocument/2006/relationships" xmlns:p="http://schemas.openxmlformats.org/presentationml/2006/main">
+  <p:cSld>
+    <p:spTree>
+      <p:nvGrpSpPr>
+        <p:cNvPr id="1" name=""/>
+        <p:cNvGrpSpPr/>
+        <p:nvPr/>
+      </p:nvGrpSpPr>
+      <p:grpSpPr>
+        <a:xfrm>
+          <a:off x="0" y="0"/>
+          <a:ext cx="0" cy="0"/>
+          <a:chOff x="0" y="0"/>
+          <a:chExt cx="0" cy="0"/>
+        </a:xfrm>
+      </p:grpSpPr>
+      <p:sp>
+        <p:nvSpPr>
+          <p:cNvPr id="2" name="Content Placeholder 1">
+            <a:extLst>
+              <a:ext uri="{FF2B5EF4-FFF2-40B4-BE49-F238E27FC236}">
+                <a16:creationId xmlns:a16="http://schemas.microsoft.com/office/drawing/2014/main" id="{B64BDEA2-B0EA-4EA1-99A4-FCFA802CFD32}"/>
+              </a:ext>
+            </a:extLst>
+          </p:cNvPr>
+          <p:cNvSpPr>
+            <a:spLocks noGrp="1"/>
+          </p:cNvSpPr>
+          <p:nvPr>
+            <p:ph sz="quarter" idx="11"/>
+          </p:nvPr>
+        </p:nvSpPr>
+        <p:spPr/>
+        <p:txBody>
+          <a:bodyPr>
+            <a:normAutofit fontScale="92500"/>
+          </a:bodyPr>
+          <a:lstStyle/>
+          <a:p>
+            <a:r>
+              <a:rPr lang="en-US" dirty="0"/>
+              <a:t>Web bp NW.ORDERS.RTNE</a:t>
+            </a:r>
+          </a:p>
+          <a:p>
+            <a:r>
+              <a:rPr lang="en-US" dirty="0"/>
+              <a:t>Review code.  Talk to the general template of a rest service</a:t>
+            </a:r>
+          </a:p>
+          <a:p>
+            <a:r>
+              <a:rPr lang="en-US" dirty="0"/>
+              <a:t>Postman – Do a post against service – Show errors, POST, NO RECORD</a:t>
+            </a:r>
+          </a:p>
+          <a:p>
+            <a:r>
+              <a:rPr lang="en-US" sz="1600" dirty="0"/>
+              <a:t>CALL WOBJ(ORDER.OBJ,"FROMSTRING","","{}","",RERR)</a:t>
+            </a:r>
+          </a:p>
+          <a:p>
+            <a:r>
+              <a:rPr lang="en-US" sz="1600" dirty="0"/>
+              <a:t>CALL WOBJ(ORDER.OBJ,"SET"              ,"</a:t>
+            </a:r>
+            <a:r>
+              <a:rPr lang="en-US" sz="1600" dirty="0" err="1"/>
+              <a:t>orderid</a:t>
+            </a:r>
+            <a:r>
+              <a:rPr lang="en-US" sz="1600" dirty="0"/>
+              <a:t>"                 ,ID                        ,"",RERR)</a:t>
+            </a:r>
+          </a:p>
+          <a:p>
+            <a:r>
+              <a:rPr lang="en-US" sz="1600" dirty="0"/>
+              <a:t>CALL WOBJ(ORDER.OBJ,"TOSTRING","",ORDER.JSON,"",RERR)</a:t>
+            </a:r>
+          </a:p>
+          <a:p>
+            <a:r>
+              <a:rPr lang="en-US" sz="1600" dirty="0"/>
+              <a:t>CALL WOBJ(</a:t>
+            </a:r>
+            <a:r>
+              <a:rPr lang="en-US" sz="1600" dirty="0" err="1"/>
+              <a:t>RESPONSE.OBJ,"SET.OBJECT","records</a:t>
+            </a:r>
+            <a:r>
+              <a:rPr lang="en-US" sz="1600" dirty="0"/>
+              <a:t>[-1]",ORDER.JSON,"",RERR)</a:t>
+            </a:r>
+          </a:p>
+          <a:p>
+            <a:r>
+              <a:rPr lang="en-US" dirty="0"/>
+              <a:t>Pull a record 10250</a:t>
+            </a:r>
+          </a:p>
+          <a:p>
+            <a:r>
+              <a:rPr lang="en-US" dirty="0"/>
+              <a:t>Discuss json and </a:t>
+            </a:r>
+            <a:r>
+              <a:rPr lang="en-US" dirty="0" err="1"/>
+              <a:t>wobj</a:t>
+            </a:r>
+            <a:endParaRPr lang="en-US" dirty="0"/>
+          </a:p>
+        </p:txBody>
+      </p:sp>
+      <p:sp>
+        <p:nvSpPr>
+          <p:cNvPr id="3" name="Title 2">
+            <a:extLst>
+              <a:ext uri="{FF2B5EF4-FFF2-40B4-BE49-F238E27FC236}">
+                <a16:creationId xmlns:a16="http://schemas.microsoft.com/office/drawing/2014/main" id="{16056BC8-F732-4AA3-B454-3EF182AF8959}"/>
+              </a:ext>
+            </a:extLst>
+          </p:cNvPr>
+          <p:cNvSpPr>
+            <a:spLocks noGrp="1"/>
+          </p:cNvSpPr>
+          <p:nvPr>
+            <p:ph type="title"/>
+          </p:nvPr>
+        </p:nvSpPr>
+        <p:spPr/>
+        <p:txBody>
+          <a:bodyPr/>
+          <a:lstStyle/>
+          <a:p>
+            <a:r>
+              <a:rPr lang="en-US" dirty="0"/>
+              <a:t>3000 – Introduce Crud Services – 10 minutes</a:t>
+            </a:r>
+          </a:p>
+        </p:txBody>
+      </p:sp>
+    </p:spTree>
+    <p:extLst>
+      <p:ext uri="{BB962C8B-B14F-4D97-AF65-F5344CB8AC3E}">
+        <p14:creationId xmlns:p14="http://schemas.microsoft.com/office/powerpoint/2010/main" val="3852628063"/>
+      </p:ext>
+    </p:extLst>
+  </p:cSld>
+  <p:clrMapOvr>
+    <a:masterClrMapping/>
+  </p:clrMapOvr>
+  <p:transition/>
+</p:sld>
+</file>
+
+<file path=ppt/slides/slide29.xml><?xml version="1.0" encoding="utf-8"?>
+<p:sld xmlns:a="http://schemas.openxmlformats.org/drawingml/2006/main" xmlns:r="http://schemas.openxmlformats.org/officeDocument/2006/relationships" xmlns:p="http://schemas.openxmlformats.org/presentationml/2006/main">
+  <p:cSld>
+    <p:spTree>
+      <p:nvGrpSpPr>
+        <p:cNvPr id="1" name=""/>
+        <p:cNvGrpSpPr/>
+        <p:nvPr/>
+      </p:nvGrpSpPr>
+      <p:grpSpPr>
+        <a:xfrm>
+          <a:off x="0" y="0"/>
+          <a:ext cx="0" cy="0"/>
+          <a:chOff x="0" y="0"/>
+          <a:chExt cx="0" cy="0"/>
+        </a:xfrm>
+      </p:grpSpPr>
+      <p:sp>
+        <p:nvSpPr>
+          <p:cNvPr id="2" name="Content Placeholder 1">
+            <a:extLst>
+              <a:ext uri="{FF2B5EF4-FFF2-40B4-BE49-F238E27FC236}">
+                <a16:creationId xmlns:a16="http://schemas.microsoft.com/office/drawing/2014/main" id="{88AFBAF5-F6F3-4275-A227-633846DB163E}"/>
+              </a:ext>
+            </a:extLst>
+          </p:cNvPr>
+          <p:cNvSpPr>
+            <a:spLocks noGrp="1"/>
+          </p:cNvSpPr>
+          <p:nvPr>
+            <p:ph sz="quarter" idx="11"/>
+          </p:nvPr>
+        </p:nvSpPr>
+        <p:spPr/>
+        <p:txBody>
+          <a:bodyPr/>
+          <a:lstStyle/>
+          <a:p>
+            <a:r>
+              <a:rPr lang="en-US" dirty="0"/>
+              <a:t>Open 3010.pick</a:t>
+            </a:r>
+          </a:p>
+          <a:p>
+            <a:r>
+              <a:rPr lang="en-US" dirty="0"/>
+              <a:t>Copy and paste lines needed</a:t>
+            </a:r>
+          </a:p>
+          <a:p>
+            <a:r>
+              <a:rPr lang="en-US" dirty="0"/>
+              <a:t>Recompile</a:t>
+            </a:r>
+          </a:p>
+          <a:p>
+            <a:r>
+              <a:rPr lang="en-US" dirty="0"/>
+              <a:t>Pull from postman</a:t>
+            </a:r>
+          </a:p>
+        </p:txBody>
+      </p:sp>
+      <p:sp>
+        <p:nvSpPr>
+          <p:cNvPr id="3" name="Title 2">
+            <a:extLst>
+              <a:ext uri="{FF2B5EF4-FFF2-40B4-BE49-F238E27FC236}">
+                <a16:creationId xmlns:a16="http://schemas.microsoft.com/office/drawing/2014/main" id="{CE441990-D1C7-4897-BE0A-09C64C8D45D5}"/>
+              </a:ext>
+            </a:extLst>
+          </p:cNvPr>
+          <p:cNvSpPr>
+            <a:spLocks noGrp="1"/>
+          </p:cNvSpPr>
+          <p:nvPr>
+            <p:ph type="title"/>
+          </p:nvPr>
+        </p:nvSpPr>
+        <p:spPr/>
+        <p:txBody>
+          <a:bodyPr>
+            <a:normAutofit fontScale="90000"/>
+          </a:bodyPr>
+          <a:lstStyle/>
+          <a:p>
+            <a:r>
+              <a:rPr lang="en-US" dirty="0"/>
+              <a:t>3010 – Add the rest of the lines – cut and paste 5 minutes	</a:t>
+            </a:r>
+          </a:p>
+        </p:txBody>
+      </p:sp>
+    </p:spTree>
+    <p:extLst>
+      <p:ext uri="{BB962C8B-B14F-4D97-AF65-F5344CB8AC3E}">
+        <p14:creationId xmlns:p14="http://schemas.microsoft.com/office/powerpoint/2010/main" val="583911357"/>
+      </p:ext>
+    </p:extLst>
+  </p:cSld>
+  <p:clrMapOvr>
+    <a:masterClrMapping/>
+  </p:clrMapOvr>
+  <p:transition/>
+</p:sld>
+</file>
+
 <file path=ppt/slides/slide3.xml><?xml version="1.0" encoding="utf-8"?>
 <p:sld xmlns:a="http://schemas.openxmlformats.org/drawingml/2006/main" xmlns:r="http://schemas.openxmlformats.org/officeDocument/2006/relationships" xmlns:p="http://schemas.openxmlformats.org/presentationml/2006/main">
   <p:cSld>
@@ -6681,6 +7740,768 @@
   <p:clrMapOvr>
     <a:masterClrMapping/>
   </p:clrMapOvr>
+</p:sld>
+</file>
+
+<file path=ppt/slides/slide30.xml><?xml version="1.0" encoding="utf-8"?>
+<p:sld xmlns:a="http://schemas.openxmlformats.org/drawingml/2006/main" xmlns:r="http://schemas.openxmlformats.org/officeDocument/2006/relationships" xmlns:p="http://schemas.openxmlformats.org/presentationml/2006/main">
+  <p:cSld>
+    <p:spTree>
+      <p:nvGrpSpPr>
+        <p:cNvPr id="1" name=""/>
+        <p:cNvGrpSpPr/>
+        <p:nvPr/>
+      </p:nvGrpSpPr>
+      <p:grpSpPr>
+        <a:xfrm>
+          <a:off x="0" y="0"/>
+          <a:ext cx="0" cy="0"/>
+          <a:chOff x="0" y="0"/>
+          <a:chExt cx="0" cy="0"/>
+        </a:xfrm>
+      </p:grpSpPr>
+      <p:sp>
+        <p:nvSpPr>
+          <p:cNvPr id="2" name="Content Placeholder 1">
+            <a:extLst>
+              <a:ext uri="{FF2B5EF4-FFF2-40B4-BE49-F238E27FC236}">
+                <a16:creationId xmlns:a16="http://schemas.microsoft.com/office/drawing/2014/main" id="{46A4DFDF-C942-4B8B-B1CF-EF49EB2C4F74}"/>
+              </a:ext>
+            </a:extLst>
+          </p:cNvPr>
+          <p:cNvSpPr>
+            <a:spLocks noGrp="1"/>
+          </p:cNvSpPr>
+          <p:nvPr>
+            <p:ph sz="quarter" idx="11"/>
+          </p:nvPr>
+        </p:nvSpPr>
+        <p:spPr/>
+        <p:txBody>
+          <a:bodyPr>
+            <a:normAutofit/>
+          </a:bodyPr>
+          <a:lstStyle/>
+          <a:p>
+            <a:r>
+              <a:rPr lang="en-US" dirty="0"/>
+              <a:t>Add following lines</a:t>
+            </a:r>
+          </a:p>
+          <a:p>
+            <a:r>
+              <a:rPr lang="en-US" sz="1700" dirty="0"/>
+              <a:t>NUMBER.ITEMS=DCOUNT(RECORD&lt;10&gt;,@VM)</a:t>
+            </a:r>
+          </a:p>
+          <a:p>
+            <a:r>
+              <a:rPr lang="en-US" sz="1700" dirty="0"/>
+              <a:t>CALL WOBJ(ORDER.OBJ,"SET.ARRAY"           ,"items"                   ,"[]"                           ,"",RERR)</a:t>
+            </a:r>
+          </a:p>
+          <a:p>
+            <a:r>
+              <a:rPr lang="en-US" sz="1700" dirty="0"/>
+              <a:t>FOR V=1 TO NUMBER.ITEMS</a:t>
+            </a:r>
+          </a:p>
+          <a:p>
+            <a:r>
+              <a:rPr lang="en-US" sz="1700" dirty="0"/>
+              <a:t>    CALL WOBJ(ITEMS.OBJ,"FROMSTRING"      ,""                        ,"{}"                         ,"",RERR)</a:t>
+            </a:r>
+          </a:p>
+          <a:p>
+            <a:r>
+              <a:rPr lang="en-US" sz="1700" dirty="0"/>
+              <a:t>    CALL WOBJ(ITEMS.OBJ,"SET"             ,"productid"        ,RECORD&lt;10,V&gt;                              ,"",RERR)</a:t>
+            </a:r>
+          </a:p>
+          <a:p>
+            <a:r>
+              <a:rPr lang="en-US" sz="1700" dirty="0"/>
+              <a:t>    CALL WOBJ(ITEMS.OBJ,"TOSTRING"        ,""                        ,ITEMS.JSON                   ,"",RERR)</a:t>
+            </a:r>
+          </a:p>
+          <a:p>
+            <a:r>
+              <a:rPr lang="en-US" sz="1700" dirty="0"/>
+              <a:t>    CALL WOBJ(ORDER.OBJ,"SET.OBJECT"      ,"items[-1]"               ,ITEMS.JSON                   ,"",RERR)</a:t>
+            </a:r>
+          </a:p>
+          <a:p>
+            <a:r>
+              <a:rPr lang="en-US" sz="1700" dirty="0"/>
+              <a:t>NEXT V</a:t>
+            </a:r>
+          </a:p>
+        </p:txBody>
+      </p:sp>
+      <p:sp>
+        <p:nvSpPr>
+          <p:cNvPr id="3" name="Title 2">
+            <a:extLst>
+              <a:ext uri="{FF2B5EF4-FFF2-40B4-BE49-F238E27FC236}">
+                <a16:creationId xmlns:a16="http://schemas.microsoft.com/office/drawing/2014/main" id="{DE6A30CA-30FB-4509-83C5-F55D46F2EB26}"/>
+              </a:ext>
+            </a:extLst>
+          </p:cNvPr>
+          <p:cNvSpPr>
+            <a:spLocks noGrp="1"/>
+          </p:cNvSpPr>
+          <p:nvPr>
+            <p:ph type="title"/>
+          </p:nvPr>
+        </p:nvSpPr>
+        <p:spPr/>
+        <p:txBody>
+          <a:bodyPr/>
+          <a:lstStyle/>
+          <a:p>
+            <a:r>
+              <a:rPr lang="en-US" dirty="0"/>
+              <a:t>3020 – Add inventory items</a:t>
+            </a:r>
+          </a:p>
+        </p:txBody>
+      </p:sp>
+    </p:spTree>
+    <p:extLst>
+      <p:ext uri="{BB962C8B-B14F-4D97-AF65-F5344CB8AC3E}">
+        <p14:creationId xmlns:p14="http://schemas.microsoft.com/office/powerpoint/2010/main" val="2412951611"/>
+      </p:ext>
+    </p:extLst>
+  </p:cSld>
+  <p:clrMapOvr>
+    <a:masterClrMapping/>
+  </p:clrMapOvr>
+  <p:transition/>
+</p:sld>
+</file>
+
+<file path=ppt/slides/slide31.xml><?xml version="1.0" encoding="utf-8"?>
+<p:sld xmlns:a="http://schemas.openxmlformats.org/drawingml/2006/main" xmlns:r="http://schemas.openxmlformats.org/officeDocument/2006/relationships" xmlns:p="http://schemas.openxmlformats.org/presentationml/2006/main">
+  <p:cSld>
+    <p:spTree>
+      <p:nvGrpSpPr>
+        <p:cNvPr id="1" name=""/>
+        <p:cNvGrpSpPr/>
+        <p:nvPr/>
+      </p:nvGrpSpPr>
+      <p:grpSpPr>
+        <a:xfrm>
+          <a:off x="0" y="0"/>
+          <a:ext cx="0" cy="0"/>
+          <a:chOff x="0" y="0"/>
+          <a:chExt cx="0" cy="0"/>
+        </a:xfrm>
+      </p:grpSpPr>
+      <p:sp>
+        <p:nvSpPr>
+          <p:cNvPr id="2" name="Content Placeholder 1">
+            <a:extLst>
+              <a:ext uri="{FF2B5EF4-FFF2-40B4-BE49-F238E27FC236}">
+                <a16:creationId xmlns:a16="http://schemas.microsoft.com/office/drawing/2014/main" id="{2EE6AA33-2227-4C9D-968D-FB8053F5F60D}"/>
+              </a:ext>
+            </a:extLst>
+          </p:cNvPr>
+          <p:cNvSpPr>
+            <a:spLocks noGrp="1"/>
+          </p:cNvSpPr>
+          <p:nvPr>
+            <p:ph sz="quarter" idx="11"/>
+          </p:nvPr>
+        </p:nvSpPr>
+        <p:spPr>
+          <a:xfrm>
+            <a:off x="544286" y="1248229"/>
+            <a:ext cx="10869065" cy="5036457"/>
+          </a:xfrm>
+        </p:spPr>
+        <p:txBody>
+          <a:bodyPr>
+            <a:normAutofit lnSpcReduction="10000"/>
+          </a:bodyPr>
+          <a:lstStyle/>
+          <a:p>
+            <a:r>
+              <a:rPr lang="en-US" dirty="0"/>
+              <a:t>Open sample 3030.pick</a:t>
+            </a:r>
+          </a:p>
+          <a:p>
+            <a:r>
+              <a:rPr lang="en-US" dirty="0"/>
+              <a:t>Cut paste lines in OR just use program as is</a:t>
+            </a:r>
+          </a:p>
+          <a:p>
+            <a:r>
+              <a:rPr lang="en-US" dirty="0"/>
+              <a:t>Compile</a:t>
+            </a:r>
+          </a:p>
+          <a:p>
+            <a:r>
+              <a:rPr lang="en-US" dirty="0"/>
+              <a:t>Show</a:t>
+            </a:r>
+          </a:p>
+          <a:p>
+            <a:r>
+              <a:rPr lang="en-US" dirty="0"/>
+              <a:t>Mention other set options for numbers</a:t>
+            </a:r>
+          </a:p>
+          <a:p>
+            <a:r>
+              <a:rPr lang="en-US" dirty="0"/>
+              <a:t>Discuss again that we are convert pick multi-value to objects</a:t>
+            </a:r>
+          </a:p>
+          <a:p>
+            <a:r>
+              <a:rPr lang="en-US" dirty="0"/>
+              <a:t>You can do this outside pick but doing it inside pick</a:t>
+            </a:r>
+          </a:p>
+          <a:p>
+            <a:pPr lvl="1"/>
+            <a:r>
+              <a:rPr lang="en-US" dirty="0"/>
+              <a:t>Faster</a:t>
+            </a:r>
+          </a:p>
+          <a:p>
+            <a:pPr lvl="1"/>
+            <a:r>
+              <a:rPr lang="en-US" dirty="0"/>
+              <a:t>Access to all pick conversion functions</a:t>
+            </a:r>
+          </a:p>
+          <a:p>
+            <a:pPr lvl="1"/>
+            <a:r>
+              <a:rPr lang="en-US" dirty="0"/>
+              <a:t>Access to business logic</a:t>
+            </a:r>
+          </a:p>
+          <a:p>
+            <a:pPr lvl="1"/>
+            <a:r>
+              <a:rPr lang="en-US" dirty="0"/>
+              <a:t>Re-usable</a:t>
+            </a:r>
+          </a:p>
+        </p:txBody>
+      </p:sp>
+      <p:sp>
+        <p:nvSpPr>
+          <p:cNvPr id="3" name="Title 2">
+            <a:extLst>
+              <a:ext uri="{FF2B5EF4-FFF2-40B4-BE49-F238E27FC236}">
+                <a16:creationId xmlns:a16="http://schemas.microsoft.com/office/drawing/2014/main" id="{76C6B64A-E551-4050-A691-4779F09A5434}"/>
+              </a:ext>
+            </a:extLst>
+          </p:cNvPr>
+          <p:cNvSpPr>
+            <a:spLocks noGrp="1"/>
+          </p:cNvSpPr>
+          <p:nvPr>
+            <p:ph type="title"/>
+          </p:nvPr>
+        </p:nvSpPr>
+        <p:spPr/>
+        <p:txBody>
+          <a:bodyPr/>
+          <a:lstStyle/>
+          <a:p>
+            <a:r>
+              <a:rPr lang="en-US" dirty="0"/>
+              <a:t>3030 – Add rest of inventory items – 5 minutes</a:t>
+            </a:r>
+          </a:p>
+        </p:txBody>
+      </p:sp>
+    </p:spTree>
+    <p:extLst>
+      <p:ext uri="{BB962C8B-B14F-4D97-AF65-F5344CB8AC3E}">
+        <p14:creationId xmlns:p14="http://schemas.microsoft.com/office/powerpoint/2010/main" val="1307502384"/>
+      </p:ext>
+    </p:extLst>
+  </p:cSld>
+  <p:clrMapOvr>
+    <a:masterClrMapping/>
+  </p:clrMapOvr>
+  <p:transition/>
+</p:sld>
+</file>
+
+<file path=ppt/slides/slide32.xml><?xml version="1.0" encoding="utf-8"?>
+<p:sld xmlns:a="http://schemas.openxmlformats.org/drawingml/2006/main" xmlns:r="http://schemas.openxmlformats.org/officeDocument/2006/relationships" xmlns:p="http://schemas.openxmlformats.org/presentationml/2006/main">
+  <p:cSld>
+    <p:spTree>
+      <p:nvGrpSpPr>
+        <p:cNvPr id="1" name=""/>
+        <p:cNvGrpSpPr/>
+        <p:nvPr/>
+      </p:nvGrpSpPr>
+      <p:grpSpPr>
+        <a:xfrm>
+          <a:off x="0" y="0"/>
+          <a:ext cx="0" cy="0"/>
+          <a:chOff x="0" y="0"/>
+          <a:chExt cx="0" cy="0"/>
+        </a:xfrm>
+      </p:grpSpPr>
+      <p:sp>
+        <p:nvSpPr>
+          <p:cNvPr id="2" name="Content Placeholder 1">
+            <a:extLst>
+              <a:ext uri="{FF2B5EF4-FFF2-40B4-BE49-F238E27FC236}">
+                <a16:creationId xmlns:a16="http://schemas.microsoft.com/office/drawing/2014/main" id="{7B113D82-14B1-4F45-96D2-9DDEB99299E7}"/>
+              </a:ext>
+            </a:extLst>
+          </p:cNvPr>
+          <p:cNvSpPr>
+            <a:spLocks noGrp="1"/>
+          </p:cNvSpPr>
+          <p:nvPr>
+            <p:ph sz="quarter" idx="11"/>
+          </p:nvPr>
+        </p:nvSpPr>
+        <p:spPr>
+          <a:xfrm>
+            <a:off x="566058" y="1117601"/>
+            <a:ext cx="11235714" cy="5304969"/>
+          </a:xfrm>
+        </p:spPr>
+        <p:txBody>
+          <a:bodyPr>
+            <a:normAutofit fontScale="85000" lnSpcReduction="20000"/>
+          </a:bodyPr>
+          <a:lstStyle/>
+          <a:p>
+            <a:r>
+              <a:rPr lang="en-US" dirty="0"/>
+              <a:t>Add</a:t>
+            </a:r>
+          </a:p>
+          <a:p>
+            <a:pPr lvl="1"/>
+            <a:r>
+              <a:rPr lang="en-US" sz="1600" dirty="0"/>
+              <a:t> CASE REQUEST.METHOD="GET" AND ID = ""</a:t>
+            </a:r>
+          </a:p>
+          <a:p>
+            <a:pPr lvl="1"/>
+            <a:r>
+              <a:rPr lang="en-US" sz="1600" dirty="0"/>
+              <a:t>       * Get all ids. </a:t>
+            </a:r>
+          </a:p>
+          <a:p>
+            <a:pPr lvl="1"/>
+            <a:r>
+              <a:rPr lang="en-US" sz="1600" dirty="0"/>
+              <a:t>      GOSUB </a:t>
+            </a:r>
+            <a:r>
+              <a:rPr lang="en-US" sz="1600" dirty="0" err="1"/>
+              <a:t>get.all.records</a:t>
+            </a:r>
+            <a:endParaRPr lang="en-US" sz="1600" dirty="0"/>
+          </a:p>
+          <a:p>
+            <a:r>
+              <a:rPr lang="en-US" sz="2000" dirty="0"/>
+              <a:t>Add at bottom</a:t>
+            </a:r>
+          </a:p>
+          <a:p>
+            <a:pPr lvl="1"/>
+            <a:r>
+              <a:rPr lang="en-US" sz="1600" dirty="0"/>
+              <a:t>*******************************</a:t>
+            </a:r>
+          </a:p>
+          <a:p>
+            <a:pPr lvl="1"/>
+            <a:r>
+              <a:rPr lang="en-US" sz="1600" dirty="0" err="1"/>
+              <a:t>get.all.records</a:t>
+            </a:r>
+            <a:r>
+              <a:rPr lang="en-US" sz="1600" dirty="0"/>
+              <a:t>: *</a:t>
+            </a:r>
+          </a:p>
+          <a:p>
+            <a:pPr lvl="1"/>
+            <a:r>
+              <a:rPr lang="en-US" sz="1600" dirty="0"/>
+              <a:t>*******************************</a:t>
+            </a:r>
+          </a:p>
+          <a:p>
+            <a:pPr lvl="1"/>
+            <a:r>
+              <a:rPr lang="en-US" sz="1600" dirty="0"/>
+              <a:t>* Do our select, get our list of IDS and for each record call the </a:t>
+            </a:r>
+            <a:r>
+              <a:rPr lang="en-US" sz="1600" dirty="0" err="1"/>
+              <a:t>get.all.todo</a:t>
+            </a:r>
+            <a:endParaRPr lang="en-US" sz="1600" dirty="0"/>
+          </a:p>
+          <a:p>
+            <a:pPr lvl="1"/>
+            <a:r>
+              <a:rPr lang="en-US" sz="1600" dirty="0"/>
+              <a:t>EXECUTE "SSELECT NW.ORDERS BY-DSND ORDERDATE"</a:t>
+            </a:r>
+          </a:p>
+          <a:p>
+            <a:pPr lvl="1"/>
+            <a:r>
+              <a:rPr lang="en-US" sz="1600" dirty="0"/>
+              <a:t>LIMIT=50</a:t>
+            </a:r>
+          </a:p>
+          <a:p>
+            <a:pPr lvl="1"/>
+            <a:r>
+              <a:rPr lang="en-US" sz="1600" dirty="0"/>
+              <a:t>LIMIT.CNTR=0</a:t>
+            </a:r>
+          </a:p>
+          <a:p>
+            <a:pPr lvl="1"/>
+            <a:r>
+              <a:rPr lang="en-US" sz="1600" dirty="0"/>
+              <a:t>LOOP</a:t>
+            </a:r>
+          </a:p>
+          <a:p>
+            <a:pPr lvl="1"/>
+            <a:r>
+              <a:rPr lang="en-US" sz="1600" dirty="0"/>
+              <a:t>   READNEXT ID ELSE EXIT</a:t>
+            </a:r>
+          </a:p>
+          <a:p>
+            <a:pPr lvl="1"/>
+            <a:r>
+              <a:rPr lang="en-US" sz="1600" dirty="0"/>
+              <a:t>    LIMIT.CNTR+=1</a:t>
+            </a:r>
+          </a:p>
+          <a:p>
+            <a:pPr lvl="1"/>
+            <a:r>
+              <a:rPr lang="en-US" sz="1600" dirty="0"/>
+              <a:t>    IF LIMIT.CNTR &gt; LIMIT THEN</a:t>
+            </a:r>
+          </a:p>
+          <a:p>
+            <a:pPr lvl="1"/>
+            <a:r>
+              <a:rPr lang="en-US" sz="1600" dirty="0"/>
+              <a:t>        CLEARSELECT</a:t>
+            </a:r>
+          </a:p>
+          <a:p>
+            <a:pPr lvl="1"/>
+            <a:r>
+              <a:rPr lang="en-US" sz="1600" dirty="0"/>
+              <a:t>        RETURN</a:t>
+            </a:r>
+          </a:p>
+          <a:p>
+            <a:pPr lvl="1"/>
+            <a:r>
+              <a:rPr lang="en-US" sz="1600" dirty="0"/>
+              <a:t>    END</a:t>
+            </a:r>
+          </a:p>
+          <a:p>
+            <a:pPr lvl="1"/>
+            <a:r>
+              <a:rPr lang="en-US" sz="1600" dirty="0"/>
+              <a:t>   GOSUB </a:t>
+            </a:r>
+            <a:r>
+              <a:rPr lang="en-US" sz="1600" dirty="0" err="1"/>
+              <a:t>get.one.record</a:t>
+            </a:r>
+            <a:endParaRPr lang="en-US" sz="1600" dirty="0"/>
+          </a:p>
+          <a:p>
+            <a:pPr lvl="1"/>
+            <a:r>
+              <a:rPr lang="en-US" sz="1600" dirty="0"/>
+              <a:t>*   DEBUG</a:t>
+            </a:r>
+          </a:p>
+          <a:p>
+            <a:pPr lvl="1"/>
+            <a:r>
+              <a:rPr lang="en-US" sz="1600" dirty="0"/>
+              <a:t>REPEAT</a:t>
+            </a:r>
+          </a:p>
+          <a:p>
+            <a:pPr lvl="1"/>
+            <a:r>
+              <a:rPr lang="en-US" sz="1600" dirty="0"/>
+              <a:t>RETURN</a:t>
+            </a:r>
+          </a:p>
+        </p:txBody>
+      </p:sp>
+      <p:sp>
+        <p:nvSpPr>
+          <p:cNvPr id="3" name="Title 2">
+            <a:extLst>
+              <a:ext uri="{FF2B5EF4-FFF2-40B4-BE49-F238E27FC236}">
+                <a16:creationId xmlns:a16="http://schemas.microsoft.com/office/drawing/2014/main" id="{60939C3C-1B3E-45FA-8F4A-35CEA7307B20}"/>
+              </a:ext>
+            </a:extLst>
+          </p:cNvPr>
+          <p:cNvSpPr>
+            <a:spLocks noGrp="1"/>
+          </p:cNvSpPr>
+          <p:nvPr>
+            <p:ph type="title"/>
+          </p:nvPr>
+        </p:nvSpPr>
+        <p:spPr/>
+        <p:txBody>
+          <a:bodyPr/>
+          <a:lstStyle/>
+          <a:p>
+            <a:r>
+              <a:rPr lang="en-US" dirty="0"/>
+              <a:t>3040 – Add Get all – 15 minutes</a:t>
+            </a:r>
+          </a:p>
+        </p:txBody>
+      </p:sp>
+    </p:spTree>
+    <p:extLst>
+      <p:ext uri="{BB962C8B-B14F-4D97-AF65-F5344CB8AC3E}">
+        <p14:creationId xmlns:p14="http://schemas.microsoft.com/office/powerpoint/2010/main" val="3361215436"/>
+      </p:ext>
+    </p:extLst>
+  </p:cSld>
+  <p:clrMapOvr>
+    <a:masterClrMapping/>
+  </p:clrMapOvr>
+  <p:transition/>
+</p:sld>
+</file>
+
+<file path=ppt/slides/slide33.xml><?xml version="1.0" encoding="utf-8"?>
+<p:sld xmlns:a="http://schemas.openxmlformats.org/drawingml/2006/main" xmlns:r="http://schemas.openxmlformats.org/officeDocument/2006/relationships" xmlns:p="http://schemas.openxmlformats.org/presentationml/2006/main">
+  <p:cSld>
+    <p:spTree>
+      <p:nvGrpSpPr>
+        <p:cNvPr id="1" name=""/>
+        <p:cNvGrpSpPr/>
+        <p:nvPr/>
+      </p:nvGrpSpPr>
+      <p:grpSpPr>
+        <a:xfrm>
+          <a:off x="0" y="0"/>
+          <a:ext cx="0" cy="0"/>
+          <a:chOff x="0" y="0"/>
+          <a:chExt cx="0" cy="0"/>
+        </a:xfrm>
+      </p:grpSpPr>
+      <p:sp>
+        <p:nvSpPr>
+          <p:cNvPr id="2" name="Content Placeholder 1">
+            <a:extLst>
+              <a:ext uri="{FF2B5EF4-FFF2-40B4-BE49-F238E27FC236}">
+                <a16:creationId xmlns:a16="http://schemas.microsoft.com/office/drawing/2014/main" id="{225065EF-8B8F-4715-A1B1-9D986CF2405A}"/>
+              </a:ext>
+            </a:extLst>
+          </p:cNvPr>
+          <p:cNvSpPr>
+            <a:spLocks noGrp="1"/>
+          </p:cNvSpPr>
+          <p:nvPr>
+            <p:ph sz="quarter" idx="11"/>
+          </p:nvPr>
+        </p:nvSpPr>
+        <p:spPr/>
+        <p:txBody>
+          <a:bodyPr/>
+          <a:lstStyle/>
+          <a:p>
+            <a:r>
+              <a:rPr lang="en-US" dirty="0"/>
+              <a:t>Add delete code</a:t>
+            </a:r>
+          </a:p>
+          <a:p>
+            <a:r>
+              <a:rPr lang="en-US" dirty="0"/>
+              <a:t>Show postman delete</a:t>
+            </a:r>
+          </a:p>
+        </p:txBody>
+      </p:sp>
+      <p:sp>
+        <p:nvSpPr>
+          <p:cNvPr id="3" name="Title 2">
+            <a:extLst>
+              <a:ext uri="{FF2B5EF4-FFF2-40B4-BE49-F238E27FC236}">
+                <a16:creationId xmlns:a16="http://schemas.microsoft.com/office/drawing/2014/main" id="{B37A6CAA-9CAB-4380-AB2D-E788FD78B513}"/>
+              </a:ext>
+            </a:extLst>
+          </p:cNvPr>
+          <p:cNvSpPr>
+            <a:spLocks noGrp="1"/>
+          </p:cNvSpPr>
+          <p:nvPr>
+            <p:ph type="title"/>
+          </p:nvPr>
+        </p:nvSpPr>
+        <p:spPr/>
+        <p:txBody>
+          <a:bodyPr/>
+          <a:lstStyle/>
+          <a:p>
+            <a:r>
+              <a:rPr lang="en-US" dirty="0"/>
+              <a:t>3100 – Add Delete Function	</a:t>
+            </a:r>
+          </a:p>
+        </p:txBody>
+      </p:sp>
+    </p:spTree>
+    <p:extLst>
+      <p:ext uri="{BB962C8B-B14F-4D97-AF65-F5344CB8AC3E}">
+        <p14:creationId xmlns:p14="http://schemas.microsoft.com/office/powerpoint/2010/main" val="3825818578"/>
+      </p:ext>
+    </p:extLst>
+  </p:cSld>
+  <p:clrMapOvr>
+    <a:masterClrMapping/>
+  </p:clrMapOvr>
+  <p:transition/>
+</p:sld>
+</file>
+
+<file path=ppt/slides/slide34.xml><?xml version="1.0" encoding="utf-8"?>
+<p:sld xmlns:a="http://schemas.openxmlformats.org/drawingml/2006/main" xmlns:r="http://schemas.openxmlformats.org/officeDocument/2006/relationships" xmlns:p="http://schemas.openxmlformats.org/presentationml/2006/main">
+  <p:cSld>
+    <p:spTree>
+      <p:nvGrpSpPr>
+        <p:cNvPr id="1" name=""/>
+        <p:cNvGrpSpPr/>
+        <p:nvPr/>
+      </p:nvGrpSpPr>
+      <p:grpSpPr>
+        <a:xfrm>
+          <a:off x="0" y="0"/>
+          <a:ext cx="0" cy="0"/>
+          <a:chOff x="0" y="0"/>
+          <a:chExt cx="0" cy="0"/>
+        </a:xfrm>
+      </p:grpSpPr>
+      <p:sp>
+        <p:nvSpPr>
+          <p:cNvPr id="2" name="Content Placeholder 1">
+            <a:extLst>
+              <a:ext uri="{FF2B5EF4-FFF2-40B4-BE49-F238E27FC236}">
+                <a16:creationId xmlns:a16="http://schemas.microsoft.com/office/drawing/2014/main" id="{7F93A022-FFFD-4490-AF1B-F1B6941E4326}"/>
+              </a:ext>
+            </a:extLst>
+          </p:cNvPr>
+          <p:cNvSpPr>
+            <a:spLocks noGrp="1"/>
+          </p:cNvSpPr>
+          <p:nvPr>
+            <p:ph sz="quarter" idx="11"/>
+          </p:nvPr>
+        </p:nvSpPr>
+        <p:spPr/>
+        <p:txBody>
+          <a:bodyPr/>
+          <a:lstStyle/>
+          <a:p>
+            <a:r>
+              <a:rPr lang="en-US" dirty="0"/>
+              <a:t>Open sample and cut and paste.  We don’t have time to do all the coding.</a:t>
+            </a:r>
+          </a:p>
+          <a:p>
+            <a:r>
+              <a:rPr lang="en-US" dirty="0"/>
+              <a:t>Open postman, read in record 10250</a:t>
+            </a:r>
+          </a:p>
+          <a:p>
+            <a:r>
+              <a:rPr lang="en-US" dirty="0"/>
+              <a:t>Copy html</a:t>
+            </a:r>
+          </a:p>
+          <a:p>
+            <a:r>
+              <a:rPr lang="en-US" dirty="0"/>
+              <a:t>Create post update using same record and change information</a:t>
+            </a:r>
+          </a:p>
+          <a:p>
+            <a:endParaRPr lang="en-US" dirty="0"/>
+          </a:p>
+        </p:txBody>
+      </p:sp>
+      <p:sp>
+        <p:nvSpPr>
+          <p:cNvPr id="3" name="Title 2">
+            <a:extLst>
+              <a:ext uri="{FF2B5EF4-FFF2-40B4-BE49-F238E27FC236}">
+                <a16:creationId xmlns:a16="http://schemas.microsoft.com/office/drawing/2014/main" id="{9CEFEF1C-6539-48F4-A51D-D3F4CA49865C}"/>
+              </a:ext>
+            </a:extLst>
+          </p:cNvPr>
+          <p:cNvSpPr>
+            <a:spLocks noGrp="1"/>
+          </p:cNvSpPr>
+          <p:nvPr>
+            <p:ph type="title"/>
+          </p:nvPr>
+        </p:nvSpPr>
+        <p:spPr/>
+        <p:txBody>
+          <a:bodyPr/>
+          <a:lstStyle/>
+          <a:p>
+            <a:r>
+              <a:rPr lang="en-US" dirty="0"/>
+              <a:t>3200 – Create Update function</a:t>
+            </a:r>
+          </a:p>
+        </p:txBody>
+      </p:sp>
+    </p:spTree>
+    <p:extLst>
+      <p:ext uri="{BB962C8B-B14F-4D97-AF65-F5344CB8AC3E}">
+        <p14:creationId xmlns:p14="http://schemas.microsoft.com/office/powerpoint/2010/main" val="1446160022"/>
+      </p:ext>
+    </p:extLst>
+  </p:cSld>
+  <p:clrMapOvr>
+    <a:masterClrMapping/>
+  </p:clrMapOvr>
+  <p:transition/>
 </p:sld>
 </file>
 
